--- a/NIGAM_Cloud_presentation.pptx
+++ b/NIGAM_Cloud_presentation.pptx
@@ -4101,10 +4101,7 @@
               <a:rPr lang="en-GB" sz="2800" b="1" dirty="0"/>
               <a:t>Scalability on Your Terms</a:t>
             </a:r>
-            <a:r>
-              <a:rPr lang="en-GB" sz="2800" dirty="0"/>
-              <a:t>:</a:t>
-            </a:r>
+            <a:endParaRPr lang="en-GB" sz="2800" dirty="0"/>
           </a:p>
           <a:p>
             <a:pPr marL="342900" indent="-342900">
